--- a/Handball Coach.pptx
+++ b/Handball Coach.pptx
@@ -274,7 +274,7 @@
             <a:pPr rtl="0"/>
             <a:fld id="{22C830F1-8AD0-4DC4-87A7-E11A5C7688DF}" type="datetime1">
               <a:rPr lang="fr-FR" smtClean="0"/>
-              <a:t>15/05/2023</a:t>
+              <a:t>22/05/2023</a:t>
             </a:fld>
             <a:endParaRPr lang="fr-FR" dirty="0"/>
           </a:p>
@@ -4317,13 +4317,13 @@
   <p:clrMapOvr>
     <a:masterClrMapping/>
   </p:clrMapOvr>
-  <mc:AlternateContent xmlns:mc="http://schemas.openxmlformats.org/markup-compatibility/2006">
-    <mc:Choice xmlns:p14="http://schemas.microsoft.com/office/powerpoint/2010/main" Requires="p14">
+  <mc:AlternateContent xmlns:mc="http://schemas.openxmlformats.org/markup-compatibility/2006" xmlns:p14="http://schemas.microsoft.com/office/powerpoint/2010/main">
+    <mc:Choice Requires="p14">
       <p:transition spd="med" p14:dur="700">
         <p:fade/>
       </p:transition>
     </mc:Choice>
-    <mc:Fallback>
+    <mc:Fallback xmlns="">
       <p:transition spd="med">
         <p:fade/>
       </p:transition>
@@ -4413,7 +4413,7 @@
         </p:blipFill>
         <p:spPr bwMode="auto">
           <a:xfrm rot="16200000">
-            <a:off x="6756873" y="1339419"/>
+            <a:off x="6756874" y="1337678"/>
             <a:ext cx="6196000" cy="4182643"/>
           </a:xfrm>
           <a:prstGeom prst="rect">
@@ -4539,6 +4539,438 @@
           </a:p>
         </p:txBody>
       </p:sp>
+      <p:pic>
+        <p:nvPicPr>
+          <p:cNvPr id="14" name="Grafik 13" descr="Pfeil: Kurve gegen den Uhrzeigersinn">
+            <a:extLst>
+              <a:ext uri="{FF2B5EF4-FFF2-40B4-BE49-F238E27FC236}">
+                <a16:creationId xmlns:a16="http://schemas.microsoft.com/office/drawing/2014/main" id="{D53BD344-72C9-68ED-A4F6-62423E144232}"/>
+              </a:ext>
+            </a:extLst>
+          </p:cNvPr>
+          <p:cNvPicPr>
+            <a:picLocks noChangeAspect="1"/>
+          </p:cNvPicPr>
+          <p:nvPr/>
+        </p:nvPicPr>
+        <p:blipFill>
+          <a:blip r:embed="rId4">
+            <a:extLst>
+              <a:ext uri="{96DAC541-7B7A-43D3-8B79-37D633B846F1}">
+                <asvg:svgBlip xmlns:asvg="http://schemas.microsoft.com/office/drawing/2016/SVG/main" r:embed="rId5"/>
+              </a:ext>
+            </a:extLst>
+          </a:blip>
+          <a:stretch>
+            <a:fillRect/>
+          </a:stretch>
+        </p:blipFill>
+        <p:spPr>
+          <a:xfrm>
+            <a:off x="10596839" y="1967583"/>
+            <a:ext cx="694126" cy="694126"/>
+          </a:xfrm>
+          <a:prstGeom prst="rect">
+            <a:avLst/>
+          </a:prstGeom>
+        </p:spPr>
+      </p:pic>
+      <p:pic>
+        <p:nvPicPr>
+          <p:cNvPr id="16" name="Grafik 15" descr="Pfeil Gerade">
+            <a:extLst>
+              <a:ext uri="{FF2B5EF4-FFF2-40B4-BE49-F238E27FC236}">
+                <a16:creationId xmlns:a16="http://schemas.microsoft.com/office/drawing/2014/main" id="{912CE0C8-2526-BC8A-D57D-267E12F738CC}"/>
+              </a:ext>
+            </a:extLst>
+          </p:cNvPr>
+          <p:cNvPicPr>
+            <a:picLocks noChangeAspect="1"/>
+          </p:cNvPicPr>
+          <p:nvPr/>
+        </p:nvPicPr>
+        <p:blipFill>
+          <a:blip r:embed="rId6">
+            <a:extLst>
+              <a:ext uri="{96DAC541-7B7A-43D3-8B79-37D633B846F1}">
+                <asvg:svgBlip xmlns:asvg="http://schemas.microsoft.com/office/drawing/2016/SVG/main" r:embed="rId7"/>
+              </a:ext>
+            </a:extLst>
+          </a:blip>
+          <a:stretch>
+            <a:fillRect/>
+          </a:stretch>
+        </p:blipFill>
+        <p:spPr>
+          <a:xfrm rot="5400000">
+            <a:off x="9420163" y="2242510"/>
+            <a:ext cx="914400" cy="914400"/>
+          </a:xfrm>
+          <a:prstGeom prst="rect">
+            <a:avLst/>
+          </a:prstGeom>
+        </p:spPr>
+      </p:pic>
+      <p:pic>
+        <p:nvPicPr>
+          <p:cNvPr id="17" name="Grafik 16" descr="Pfeil: Kurve gegen den Uhrzeigersinn">
+            <a:extLst>
+              <a:ext uri="{FF2B5EF4-FFF2-40B4-BE49-F238E27FC236}">
+                <a16:creationId xmlns:a16="http://schemas.microsoft.com/office/drawing/2014/main" id="{863A8476-F793-7BBE-9102-787B36756A83}"/>
+              </a:ext>
+            </a:extLst>
+          </p:cNvPr>
+          <p:cNvPicPr>
+            <a:picLocks noChangeAspect="1"/>
+          </p:cNvPicPr>
+          <p:nvPr/>
+        </p:nvPicPr>
+        <p:blipFill>
+          <a:blip r:embed="rId4">
+            <a:extLst>
+              <a:ext uri="{96DAC541-7B7A-43D3-8B79-37D633B846F1}">
+                <asvg:svgBlip xmlns:asvg="http://schemas.microsoft.com/office/drawing/2016/SVG/main" r:embed="rId5"/>
+              </a:ext>
+            </a:extLst>
+          </a:blip>
+          <a:stretch>
+            <a:fillRect/>
+          </a:stretch>
+        </p:blipFill>
+        <p:spPr>
+          <a:xfrm flipH="1">
+            <a:off x="8470289" y="1953260"/>
+            <a:ext cx="642618" cy="694126"/>
+          </a:xfrm>
+          <a:prstGeom prst="rect">
+            <a:avLst/>
+          </a:prstGeom>
+        </p:spPr>
+      </p:pic>
+      <p:pic>
+        <p:nvPicPr>
+          <p:cNvPr id="18" name="Grafik 17" descr="Pfeil: Kurve gegen den Uhrzeigersinn">
+            <a:extLst>
+              <a:ext uri="{FF2B5EF4-FFF2-40B4-BE49-F238E27FC236}">
+                <a16:creationId xmlns:a16="http://schemas.microsoft.com/office/drawing/2014/main" id="{BD3D8095-8BD7-3179-CF54-ACEC15F3565E}"/>
+              </a:ext>
+            </a:extLst>
+          </p:cNvPr>
+          <p:cNvPicPr>
+            <a:picLocks noChangeAspect="1"/>
+          </p:cNvPicPr>
+          <p:nvPr/>
+        </p:nvPicPr>
+        <p:blipFill>
+          <a:blip r:embed="rId4">
+            <a:extLst>
+              <a:ext uri="{96DAC541-7B7A-43D3-8B79-37D633B846F1}">
+                <asvg:svgBlip xmlns:asvg="http://schemas.microsoft.com/office/drawing/2016/SVG/main" r:embed="rId5"/>
+              </a:ext>
+            </a:extLst>
+          </a:blip>
+          <a:stretch>
+            <a:fillRect/>
+          </a:stretch>
+        </p:blipFill>
+        <p:spPr>
+          <a:xfrm rot="20502729" flipH="1" flipV="1">
+            <a:off x="8275799" y="883795"/>
+            <a:ext cx="642618" cy="621518"/>
+          </a:xfrm>
+          <a:prstGeom prst="rect">
+            <a:avLst/>
+          </a:prstGeom>
+        </p:spPr>
+      </p:pic>
+      <p:pic>
+        <p:nvPicPr>
+          <p:cNvPr id="19" name="Grafik 18" descr="Pfeil Gerade">
+            <a:extLst>
+              <a:ext uri="{FF2B5EF4-FFF2-40B4-BE49-F238E27FC236}">
+                <a16:creationId xmlns:a16="http://schemas.microsoft.com/office/drawing/2014/main" id="{57FB8FEE-349B-D4F4-ADEA-8369725F83F5}"/>
+              </a:ext>
+            </a:extLst>
+          </p:cNvPr>
+          <p:cNvPicPr>
+            <a:picLocks noChangeAspect="1"/>
+          </p:cNvPicPr>
+          <p:nvPr/>
+        </p:nvPicPr>
+        <p:blipFill>
+          <a:blip r:embed="rId6">
+            <a:extLst>
+              <a:ext uri="{96DAC541-7B7A-43D3-8B79-37D633B846F1}">
+                <asvg:svgBlip xmlns:asvg="http://schemas.microsoft.com/office/drawing/2016/SVG/main" r:embed="rId7"/>
+              </a:ext>
+            </a:extLst>
+          </a:blip>
+          <a:stretch>
+            <a:fillRect/>
+          </a:stretch>
+        </p:blipFill>
+        <p:spPr>
+          <a:xfrm rot="5400000">
+            <a:off x="9625114" y="1688392"/>
+            <a:ext cx="428135" cy="428135"/>
+          </a:xfrm>
+          <a:prstGeom prst="rect">
+            <a:avLst/>
+          </a:prstGeom>
+        </p:spPr>
+      </p:pic>
+      <p:pic>
+        <p:nvPicPr>
+          <p:cNvPr id="20" name="Grafik 19" descr="Pfeil: Kurve gegen den Uhrzeigersinn">
+            <a:extLst>
+              <a:ext uri="{FF2B5EF4-FFF2-40B4-BE49-F238E27FC236}">
+                <a16:creationId xmlns:a16="http://schemas.microsoft.com/office/drawing/2014/main" id="{9CB0AE52-E3A4-5E58-4768-9D3B149D2A85}"/>
+              </a:ext>
+            </a:extLst>
+          </p:cNvPr>
+          <p:cNvPicPr>
+            <a:picLocks noChangeAspect="1"/>
+          </p:cNvPicPr>
+          <p:nvPr/>
+        </p:nvPicPr>
+        <p:blipFill>
+          <a:blip r:embed="rId4">
+            <a:extLst>
+              <a:ext uri="{96DAC541-7B7A-43D3-8B79-37D633B846F1}">
+                <asvg:svgBlip xmlns:asvg="http://schemas.microsoft.com/office/drawing/2016/SVG/main" r:embed="rId5"/>
+              </a:ext>
+            </a:extLst>
+          </a:blip>
+          <a:stretch>
+            <a:fillRect/>
+          </a:stretch>
+        </p:blipFill>
+        <p:spPr>
+          <a:xfrm rot="1012970" flipV="1">
+            <a:off x="10877063" y="900851"/>
+            <a:ext cx="561032" cy="621518"/>
+          </a:xfrm>
+          <a:prstGeom prst="rect">
+            <a:avLst/>
+          </a:prstGeom>
+        </p:spPr>
+      </p:pic>
+      <p:pic>
+        <p:nvPicPr>
+          <p:cNvPr id="21" name="Grafik 20" descr="Pfeil: Kurve gegen den Uhrzeigersinn">
+            <a:extLst>
+              <a:ext uri="{FF2B5EF4-FFF2-40B4-BE49-F238E27FC236}">
+                <a16:creationId xmlns:a16="http://schemas.microsoft.com/office/drawing/2014/main" id="{9FB210C4-6A2A-BA52-29F2-15E74BF4300C}"/>
+              </a:ext>
+            </a:extLst>
+          </p:cNvPr>
+          <p:cNvPicPr>
+            <a:picLocks noChangeAspect="1"/>
+          </p:cNvPicPr>
+          <p:nvPr/>
+        </p:nvPicPr>
+        <p:blipFill>
+          <a:blip r:embed="rId4">
+            <a:extLst>
+              <a:ext uri="{96DAC541-7B7A-43D3-8B79-37D633B846F1}">
+                <asvg:svgBlip xmlns:asvg="http://schemas.microsoft.com/office/drawing/2016/SVG/main" r:embed="rId5"/>
+              </a:ext>
+            </a:extLst>
+          </a:blip>
+          <a:stretch>
+            <a:fillRect/>
+          </a:stretch>
+        </p:blipFill>
+        <p:spPr>
+          <a:xfrm flipV="1">
+            <a:off x="10577801" y="4420886"/>
+            <a:ext cx="694126" cy="548455"/>
+          </a:xfrm>
+          <a:prstGeom prst="rect">
+            <a:avLst/>
+          </a:prstGeom>
+        </p:spPr>
+      </p:pic>
+      <p:pic>
+        <p:nvPicPr>
+          <p:cNvPr id="22" name="Grafik 21" descr="Pfeil Gerade">
+            <a:extLst>
+              <a:ext uri="{FF2B5EF4-FFF2-40B4-BE49-F238E27FC236}">
+                <a16:creationId xmlns:a16="http://schemas.microsoft.com/office/drawing/2014/main" id="{A43536A0-B3F5-5EF3-E489-BDD2405975D1}"/>
+              </a:ext>
+            </a:extLst>
+          </p:cNvPr>
+          <p:cNvPicPr>
+            <a:picLocks noChangeAspect="1"/>
+          </p:cNvPicPr>
+          <p:nvPr/>
+        </p:nvPicPr>
+        <p:blipFill>
+          <a:blip r:embed="rId6">
+            <a:extLst>
+              <a:ext uri="{96DAC541-7B7A-43D3-8B79-37D633B846F1}">
+                <asvg:svgBlip xmlns:asvg="http://schemas.microsoft.com/office/drawing/2016/SVG/main" r:embed="rId7"/>
+              </a:ext>
+            </a:extLst>
+          </a:blip>
+          <a:stretch>
+            <a:fillRect/>
+          </a:stretch>
+        </p:blipFill>
+        <p:spPr>
+          <a:xfrm rot="5400000" flipH="1">
+            <a:off x="9474120" y="3855765"/>
+            <a:ext cx="722502" cy="914400"/>
+          </a:xfrm>
+          <a:prstGeom prst="rect">
+            <a:avLst/>
+          </a:prstGeom>
+        </p:spPr>
+      </p:pic>
+      <p:pic>
+        <p:nvPicPr>
+          <p:cNvPr id="23" name="Grafik 22" descr="Pfeil: Kurve gegen den Uhrzeigersinn">
+            <a:extLst>
+              <a:ext uri="{FF2B5EF4-FFF2-40B4-BE49-F238E27FC236}">
+                <a16:creationId xmlns:a16="http://schemas.microsoft.com/office/drawing/2014/main" id="{E2B89CF7-C424-D32E-5555-94B9A13CB590}"/>
+              </a:ext>
+            </a:extLst>
+          </p:cNvPr>
+          <p:cNvPicPr>
+            <a:picLocks noChangeAspect="1"/>
+          </p:cNvPicPr>
+          <p:nvPr/>
+        </p:nvPicPr>
+        <p:blipFill>
+          <a:blip r:embed="rId4">
+            <a:extLst>
+              <a:ext uri="{96DAC541-7B7A-43D3-8B79-37D633B846F1}">
+                <asvg:svgBlip xmlns:asvg="http://schemas.microsoft.com/office/drawing/2016/SVG/main" r:embed="rId5"/>
+              </a:ext>
+            </a:extLst>
+          </a:blip>
+          <a:stretch>
+            <a:fillRect/>
+          </a:stretch>
+        </p:blipFill>
+        <p:spPr>
+          <a:xfrm flipH="1" flipV="1">
+            <a:off x="8418736" y="4363723"/>
+            <a:ext cx="642618" cy="548455"/>
+          </a:xfrm>
+          <a:prstGeom prst="rect">
+            <a:avLst/>
+          </a:prstGeom>
+        </p:spPr>
+      </p:pic>
+      <p:pic>
+        <p:nvPicPr>
+          <p:cNvPr id="24" name="Grafik 23" descr="Pfeil: Kurve gegen den Uhrzeigersinn">
+            <a:extLst>
+              <a:ext uri="{FF2B5EF4-FFF2-40B4-BE49-F238E27FC236}">
+                <a16:creationId xmlns:a16="http://schemas.microsoft.com/office/drawing/2014/main" id="{56382EF6-91BD-0E0D-C028-E27CCE639680}"/>
+              </a:ext>
+            </a:extLst>
+          </p:cNvPr>
+          <p:cNvPicPr>
+            <a:picLocks noChangeAspect="1"/>
+          </p:cNvPicPr>
+          <p:nvPr/>
+        </p:nvPicPr>
+        <p:blipFill>
+          <a:blip r:embed="rId4">
+            <a:extLst>
+              <a:ext uri="{96DAC541-7B7A-43D3-8B79-37D633B846F1}">
+                <asvg:svgBlip xmlns:asvg="http://schemas.microsoft.com/office/drawing/2016/SVG/main" r:embed="rId5"/>
+              </a:ext>
+            </a:extLst>
+          </a:blip>
+          <a:stretch>
+            <a:fillRect/>
+          </a:stretch>
+        </p:blipFill>
+        <p:spPr>
+          <a:xfrm rot="761770" flipH="1">
+            <a:off x="8240624" y="5418866"/>
+            <a:ext cx="642618" cy="491085"/>
+          </a:xfrm>
+          <a:prstGeom prst="rect">
+            <a:avLst/>
+          </a:prstGeom>
+        </p:spPr>
+      </p:pic>
+      <p:pic>
+        <p:nvPicPr>
+          <p:cNvPr id="25" name="Grafik 24" descr="Pfeil Gerade">
+            <a:extLst>
+              <a:ext uri="{FF2B5EF4-FFF2-40B4-BE49-F238E27FC236}">
+                <a16:creationId xmlns:a16="http://schemas.microsoft.com/office/drawing/2014/main" id="{77F1A92B-883F-7DC3-D5F3-D542510039F1}"/>
+              </a:ext>
+            </a:extLst>
+          </p:cNvPr>
+          <p:cNvPicPr>
+            <a:picLocks noChangeAspect="1"/>
+          </p:cNvPicPr>
+          <p:nvPr/>
+        </p:nvPicPr>
+        <p:blipFill>
+          <a:blip r:embed="rId6">
+            <a:extLst>
+              <a:ext uri="{96DAC541-7B7A-43D3-8B79-37D633B846F1}">
+                <asvg:svgBlip xmlns:asvg="http://schemas.microsoft.com/office/drawing/2016/SVG/main" r:embed="rId7"/>
+              </a:ext>
+            </a:extLst>
+          </a:blip>
+          <a:stretch>
+            <a:fillRect/>
+          </a:stretch>
+        </p:blipFill>
+        <p:spPr>
+          <a:xfrm rot="5400000" flipH="1">
+            <a:off x="9670038" y="4755275"/>
+            <a:ext cx="338286" cy="428135"/>
+          </a:xfrm>
+          <a:prstGeom prst="rect">
+            <a:avLst/>
+          </a:prstGeom>
+        </p:spPr>
+      </p:pic>
+      <p:pic>
+        <p:nvPicPr>
+          <p:cNvPr id="26" name="Grafik 25" descr="Pfeil: Kurve gegen den Uhrzeigersinn">
+            <a:extLst>
+              <a:ext uri="{FF2B5EF4-FFF2-40B4-BE49-F238E27FC236}">
+                <a16:creationId xmlns:a16="http://schemas.microsoft.com/office/drawing/2014/main" id="{D79346A8-121D-9DBB-FDCB-F5E14BEA443A}"/>
+              </a:ext>
+            </a:extLst>
+          </p:cNvPr>
+          <p:cNvPicPr>
+            <a:picLocks noChangeAspect="1"/>
+          </p:cNvPicPr>
+          <p:nvPr/>
+        </p:nvPicPr>
+        <p:blipFill>
+          <a:blip r:embed="rId4">
+            <a:extLst>
+              <a:ext uri="{96DAC541-7B7A-43D3-8B79-37D633B846F1}">
+                <asvg:svgBlip xmlns:asvg="http://schemas.microsoft.com/office/drawing/2016/SVG/main" r:embed="rId5"/>
+              </a:ext>
+            </a:extLst>
+          </a:blip>
+          <a:stretch>
+            <a:fillRect/>
+          </a:stretch>
+        </p:blipFill>
+        <p:spPr>
+          <a:xfrm rot="20055077">
+            <a:off x="10868523" y="5418865"/>
+            <a:ext cx="561032" cy="491085"/>
+          </a:xfrm>
+          <a:prstGeom prst="rect">
+            <a:avLst/>
+          </a:prstGeom>
+        </p:spPr>
+      </p:pic>
     </p:spTree>
     <p:extLst>
       <p:ext uri="{BB962C8B-B14F-4D97-AF65-F5344CB8AC3E}">
@@ -6829,13 +7261,13 @@
   <p:clrMapOvr>
     <a:masterClrMapping/>
   </p:clrMapOvr>
-  <mc:AlternateContent xmlns:mc="http://schemas.openxmlformats.org/markup-compatibility/2006">
-    <mc:Choice xmlns:p14="http://schemas.microsoft.com/office/powerpoint/2010/main" Requires="p14">
+  <mc:AlternateContent xmlns:mc="http://schemas.openxmlformats.org/markup-compatibility/2006" xmlns:p14="http://schemas.microsoft.com/office/powerpoint/2010/main">
+    <mc:Choice Requires="p14">
       <p:transition spd="med" p14:dur="700">
         <p:fade/>
       </p:transition>
     </mc:Choice>
-    <mc:Fallback>
+    <mc:Fallback xmlns="">
       <p:transition spd="med">
         <p:fade/>
       </p:transition>
@@ -8108,35 +8540,6 @@
 </file>
 
 <file path=customXml/item1.xml><?xml version="1.0" encoding="utf-8"?>
-<p:properties xmlns:p="http://schemas.microsoft.com/office/2006/metadata/properties" xmlns:xsi="http://www.w3.org/2001/XMLSchema-instance" xmlns:pc="http://schemas.microsoft.com/office/infopath/2007/PartnerControls">
-  <documentManagement>
-    <_ip_UnifiedCompliancePolicyUIAction xmlns="http://schemas.microsoft.com/sharepoint/v3" xsi:nil="true"/>
-    <Image xmlns="71af3243-3dd4-4a8d-8c0d-dd76da1f02a5">
-      <Url xsi:nil="true"/>
-      <Description xsi:nil="true"/>
-    </Image>
-    <Status xmlns="71af3243-3dd4-4a8d-8c0d-dd76da1f02a5">Not started</Status>
-    <Background xmlns="71af3243-3dd4-4a8d-8c0d-dd76da1f02a5">false</Background>
-    <_ip_UnifiedCompliancePolicyProperties xmlns="http://schemas.microsoft.com/sharepoint/v3" xsi:nil="true"/>
-    <ImageTagsTaxHTField xmlns="71af3243-3dd4-4a8d-8c0d-dd76da1f02a5">
-      <Terms xmlns="http://schemas.microsoft.com/office/infopath/2007/PartnerControls"/>
-    </ImageTagsTaxHTField>
-    <TaxCatchAll xmlns="230e9df3-be65-4c73-a93b-d1236ebd677e" xsi:nil="true"/>
-    <MediaServiceKeyPoints xmlns="71af3243-3dd4-4a8d-8c0d-dd76da1f02a5" xsi:nil="true"/>
-  </documentManagement>
-</p:properties>
-</file>
-
-<file path=customXml/item2.xml><?xml version="1.0" encoding="utf-8"?>
-<?mso-contentType ?>
-<FormTemplates xmlns="http://schemas.microsoft.com/sharepoint/v3/contenttype/forms">
-  <Display>DocumentLibraryForm</Display>
-  <Edit>DocumentLibraryForm</Edit>
-  <New>DocumentLibraryForm</New>
-</FormTemplates>
-</file>
-
-<file path=customXml/item3.xml><?xml version="1.0" encoding="utf-8"?>
 <ct:contentTypeSchema xmlns:ct="http://schemas.microsoft.com/office/2006/metadata/contentType" xmlns:ma="http://schemas.microsoft.com/office/2006/metadata/properties/metaAttributes" ct:_="" ma:_="" ma:contentTypeName="Document" ma:contentTypeID="0x01010079F111ED35F8CC479449609E8A0923A6" ma:contentTypeVersion="24" ma:contentTypeDescription="Create a new document." ma:contentTypeScope="" ma:versionID="2d714a3296df14eba7a100bb665443ca">
   <xsd:schema xmlns:xsd="http://www.w3.org/2001/XMLSchema" xmlns:xs="http://www.w3.org/2001/XMLSchema" xmlns:p="http://schemas.microsoft.com/office/2006/metadata/properties" xmlns:ns1="http://schemas.microsoft.com/sharepoint/v3" xmlns:ns2="71af3243-3dd4-4a8d-8c0d-dd76da1f02a5" xmlns:ns3="16c05727-aa75-4e4a-9b5f-8a80a1165891" xmlns:ns4="230e9df3-be65-4c73-a93b-d1236ebd677e" targetNamespace="http://schemas.microsoft.com/office/2006/metadata/properties" ma:root="true" ma:fieldsID="49549bf45bfbbfb6cffed527380e77e1" ns1:_="" ns2:_="" ns3:_="" ns4:_="">
     <xsd:import namespace="http://schemas.microsoft.com/sharepoint/v3"/>
@@ -8424,27 +8827,36 @@
 </ct:contentTypeSchema>
 </file>
 
-<file path=customXml/itemProps1.xml><?xml version="1.0" encoding="utf-8"?>
-<ds:datastoreItem xmlns:ds="http://schemas.openxmlformats.org/officeDocument/2006/customXml" ds:itemID="{FD794402-D476-4C0A-8953-D7E5D3D97C85}">
-  <ds:schemaRefs>
-    <ds:schemaRef ds:uri="http://schemas.microsoft.com/office/2006/metadata/properties"/>
-    <ds:schemaRef ds:uri="http://schemas.microsoft.com/office/infopath/2007/PartnerControls"/>
-    <ds:schemaRef ds:uri="http://schemas.microsoft.com/sharepoint/v3"/>
-    <ds:schemaRef ds:uri="71af3243-3dd4-4a8d-8c0d-dd76da1f02a5"/>
-    <ds:schemaRef ds:uri="230e9df3-be65-4c73-a93b-d1236ebd677e"/>
-  </ds:schemaRefs>
-</ds:datastoreItem>
+<file path=customXml/item2.xml><?xml version="1.0" encoding="utf-8"?>
+<?mso-contentType ?>
+<FormTemplates xmlns="http://schemas.microsoft.com/sharepoint/v3/contenttype/forms">
+  <Display>DocumentLibraryForm</Display>
+  <Edit>DocumentLibraryForm</Edit>
+  <New>DocumentLibraryForm</New>
+</FormTemplates>
 </file>
 
-<file path=customXml/itemProps2.xml><?xml version="1.0" encoding="utf-8"?>
-<ds:datastoreItem xmlns:ds="http://schemas.openxmlformats.org/officeDocument/2006/customXml" ds:itemID="{6A6AD0CE-C3A1-49ED-84DB-B51D7D3B27B3}">
-  <ds:schemaRefs>
-    <ds:schemaRef ds:uri="http://schemas.microsoft.com/sharepoint/v3/contenttype/forms"/>
-  </ds:schemaRefs>
-</ds:datastoreItem>
+<file path=customXml/item3.xml><?xml version="1.0" encoding="utf-8"?>
+<p:properties xmlns:p="http://schemas.microsoft.com/office/2006/metadata/properties" xmlns:xsi="http://www.w3.org/2001/XMLSchema-instance" xmlns:pc="http://schemas.microsoft.com/office/infopath/2007/PartnerControls">
+  <documentManagement>
+    <_ip_UnifiedCompliancePolicyUIAction xmlns="http://schemas.microsoft.com/sharepoint/v3" xsi:nil="true"/>
+    <Image xmlns="71af3243-3dd4-4a8d-8c0d-dd76da1f02a5">
+      <Url xsi:nil="true"/>
+      <Description xsi:nil="true"/>
+    </Image>
+    <Status xmlns="71af3243-3dd4-4a8d-8c0d-dd76da1f02a5">Not started</Status>
+    <Background xmlns="71af3243-3dd4-4a8d-8c0d-dd76da1f02a5">false</Background>
+    <_ip_UnifiedCompliancePolicyProperties xmlns="http://schemas.microsoft.com/sharepoint/v3" xsi:nil="true"/>
+    <ImageTagsTaxHTField xmlns="71af3243-3dd4-4a8d-8c0d-dd76da1f02a5">
+      <Terms xmlns="http://schemas.microsoft.com/office/infopath/2007/PartnerControls"/>
+    </ImageTagsTaxHTField>
+    <TaxCatchAll xmlns="230e9df3-be65-4c73-a93b-d1236ebd677e" xsi:nil="true"/>
+    <MediaServiceKeyPoints xmlns="71af3243-3dd4-4a8d-8c0d-dd76da1f02a5" xsi:nil="true"/>
+  </documentManagement>
+</p:properties>
 </file>
 
-<file path=customXml/itemProps3.xml><?xml version="1.0" encoding="utf-8"?>
+<file path=customXml/itemProps1.xml><?xml version="1.0" encoding="utf-8"?>
 <ds:datastoreItem xmlns:ds="http://schemas.openxmlformats.org/officeDocument/2006/customXml" ds:itemID="{3D32A503-7E2B-48A7-A1A4-FEB996769C51}">
   <ds:schemaRefs>
     <ds:schemaRef ds:uri="http://schemas.microsoft.com/office/2006/metadata/contentType"/>
@@ -8465,6 +8877,26 @@
 </ds:datastoreItem>
 </file>
 
+<file path=customXml/itemProps2.xml><?xml version="1.0" encoding="utf-8"?>
+<ds:datastoreItem xmlns:ds="http://schemas.openxmlformats.org/officeDocument/2006/customXml" ds:itemID="{6A6AD0CE-C3A1-49ED-84DB-B51D7D3B27B3}">
+  <ds:schemaRefs>
+    <ds:schemaRef ds:uri="http://schemas.microsoft.com/sharepoint/v3/contenttype/forms"/>
+  </ds:schemaRefs>
+</ds:datastoreItem>
+</file>
+
+<file path=customXml/itemProps3.xml><?xml version="1.0" encoding="utf-8"?>
+<ds:datastoreItem xmlns:ds="http://schemas.openxmlformats.org/officeDocument/2006/customXml" ds:itemID="{FD794402-D476-4C0A-8953-D7E5D3D97C85}">
+  <ds:schemaRefs>
+    <ds:schemaRef ds:uri="http://schemas.microsoft.com/office/2006/metadata/properties"/>
+    <ds:schemaRef ds:uri="http://schemas.microsoft.com/office/infopath/2007/PartnerControls"/>
+    <ds:schemaRef ds:uri="http://schemas.microsoft.com/sharepoint/v3"/>
+    <ds:schemaRef ds:uri="71af3243-3dd4-4a8d-8c0d-dd76da1f02a5"/>
+    <ds:schemaRef ds:uri="230e9df3-be65-4c73-a93b-d1236ebd677e"/>
+  </ds:schemaRefs>
+</ds:datastoreItem>
+</file>
+
 <file path=docMetadata/LabelInfo.xml><?xml version="1.0" encoding="utf-8"?>
 <clbl:labelList xmlns:clbl="http://schemas.microsoft.com/office/2020/mipLabelMetadata">
   <clbl:label id="{72f988bf-86f1-41af-91ab-2d7cd011db47}" enabled="0" method="" siteId="{72f988bf-86f1-41af-91ab-2d7cd011db47}" removed="1"/>
